--- a/Presentations/03_OOP.pptx
+++ b/Presentations/03_OOP.pptx
@@ -86,10 +86,10 @@
         </a:solidFill>
         <a:effectLst/>
         <a:uFillTx/>
-        <a:latin typeface="+mj-lt"/>
-        <a:ea typeface="+mj-ea"/>
-        <a:cs typeface="+mj-cs"/>
-        <a:sym typeface="Helvetica"/>
+        <a:latin typeface="+mn-lt"/>
+        <a:ea typeface="+mn-ea"/>
+        <a:cs typeface="+mn-cs"/>
+        <a:sym typeface="Helvetica Neue"/>
       </a:defRPr>
     </a:lvl1pPr>
     <a:lvl2pPr marL="0" marR="0" indent="0" algn="l" defTabSz="914400" rtl="0" fontAlgn="auto" latinLnBrk="0" hangingPunct="0">
@@ -116,10 +116,10 @@
         </a:solidFill>
         <a:effectLst/>
         <a:uFillTx/>
-        <a:latin typeface="+mj-lt"/>
-        <a:ea typeface="+mj-ea"/>
-        <a:cs typeface="+mj-cs"/>
-        <a:sym typeface="Helvetica"/>
+        <a:latin typeface="+mn-lt"/>
+        <a:ea typeface="+mn-ea"/>
+        <a:cs typeface="+mn-cs"/>
+        <a:sym typeface="Helvetica Neue"/>
       </a:defRPr>
     </a:lvl2pPr>
     <a:lvl3pPr marL="0" marR="0" indent="0" algn="l" defTabSz="914400" rtl="0" fontAlgn="auto" latinLnBrk="0" hangingPunct="0">
@@ -146,10 +146,10 @@
         </a:solidFill>
         <a:effectLst/>
         <a:uFillTx/>
-        <a:latin typeface="+mj-lt"/>
-        <a:ea typeface="+mj-ea"/>
-        <a:cs typeface="+mj-cs"/>
-        <a:sym typeface="Helvetica"/>
+        <a:latin typeface="+mn-lt"/>
+        <a:ea typeface="+mn-ea"/>
+        <a:cs typeface="+mn-cs"/>
+        <a:sym typeface="Helvetica Neue"/>
       </a:defRPr>
     </a:lvl3pPr>
     <a:lvl4pPr marL="0" marR="0" indent="0" algn="l" defTabSz="914400" rtl="0" fontAlgn="auto" latinLnBrk="0" hangingPunct="0">
@@ -176,10 +176,10 @@
         </a:solidFill>
         <a:effectLst/>
         <a:uFillTx/>
-        <a:latin typeface="+mj-lt"/>
-        <a:ea typeface="+mj-ea"/>
-        <a:cs typeface="+mj-cs"/>
-        <a:sym typeface="Helvetica"/>
+        <a:latin typeface="+mn-lt"/>
+        <a:ea typeface="+mn-ea"/>
+        <a:cs typeface="+mn-cs"/>
+        <a:sym typeface="Helvetica Neue"/>
       </a:defRPr>
     </a:lvl4pPr>
     <a:lvl5pPr marL="0" marR="0" indent="0" algn="l" defTabSz="914400" rtl="0" fontAlgn="auto" latinLnBrk="0" hangingPunct="0">
@@ -206,10 +206,10 @@
         </a:solidFill>
         <a:effectLst/>
         <a:uFillTx/>
-        <a:latin typeface="+mj-lt"/>
-        <a:ea typeface="+mj-ea"/>
-        <a:cs typeface="+mj-cs"/>
-        <a:sym typeface="Helvetica"/>
+        <a:latin typeface="+mn-lt"/>
+        <a:ea typeface="+mn-ea"/>
+        <a:cs typeface="+mn-cs"/>
+        <a:sym typeface="Helvetica Neue"/>
       </a:defRPr>
     </a:lvl5pPr>
     <a:lvl6pPr marL="0" marR="0" indent="0" algn="l" defTabSz="914400" rtl="0" fontAlgn="auto" latinLnBrk="0" hangingPunct="0">
@@ -236,10 +236,10 @@
         </a:solidFill>
         <a:effectLst/>
         <a:uFillTx/>
-        <a:latin typeface="+mj-lt"/>
-        <a:ea typeface="+mj-ea"/>
-        <a:cs typeface="+mj-cs"/>
-        <a:sym typeface="Helvetica"/>
+        <a:latin typeface="+mn-lt"/>
+        <a:ea typeface="+mn-ea"/>
+        <a:cs typeface="+mn-cs"/>
+        <a:sym typeface="Helvetica Neue"/>
       </a:defRPr>
     </a:lvl6pPr>
     <a:lvl7pPr marL="0" marR="0" indent="0" algn="l" defTabSz="914400" rtl="0" fontAlgn="auto" latinLnBrk="0" hangingPunct="0">
@@ -266,10 +266,10 @@
         </a:solidFill>
         <a:effectLst/>
         <a:uFillTx/>
-        <a:latin typeface="+mj-lt"/>
-        <a:ea typeface="+mj-ea"/>
-        <a:cs typeface="+mj-cs"/>
-        <a:sym typeface="Helvetica"/>
+        <a:latin typeface="+mn-lt"/>
+        <a:ea typeface="+mn-ea"/>
+        <a:cs typeface="+mn-cs"/>
+        <a:sym typeface="Helvetica Neue"/>
       </a:defRPr>
     </a:lvl7pPr>
     <a:lvl8pPr marL="0" marR="0" indent="0" algn="l" defTabSz="914400" rtl="0" fontAlgn="auto" latinLnBrk="0" hangingPunct="0">
@@ -296,10 +296,10 @@
         </a:solidFill>
         <a:effectLst/>
         <a:uFillTx/>
-        <a:latin typeface="+mj-lt"/>
-        <a:ea typeface="+mj-ea"/>
-        <a:cs typeface="+mj-cs"/>
-        <a:sym typeface="Helvetica"/>
+        <a:latin typeface="+mn-lt"/>
+        <a:ea typeface="+mn-ea"/>
+        <a:cs typeface="+mn-cs"/>
+        <a:sym typeface="Helvetica Neue"/>
       </a:defRPr>
     </a:lvl8pPr>
     <a:lvl9pPr marL="0" marR="0" indent="0" algn="l" defTabSz="914400" rtl="0" fontAlgn="auto" latinLnBrk="0" hangingPunct="0">
@@ -326,10 +326,10 @@
         </a:solidFill>
         <a:effectLst/>
         <a:uFillTx/>
-        <a:latin typeface="+mj-lt"/>
-        <a:ea typeface="+mj-ea"/>
-        <a:cs typeface="+mj-cs"/>
-        <a:sym typeface="Helvetica"/>
+        <a:latin typeface="+mn-lt"/>
+        <a:ea typeface="+mn-ea"/>
+        <a:cs typeface="+mn-cs"/>
+        <a:sym typeface="Helvetica Neue"/>
       </a:defRPr>
     </a:lvl9pPr>
   </p:defaultTextStyle>
@@ -515,7 +515,7 @@
         <p:spPr>
           <a:xfrm>
             <a:off x="685800" y="2111123"/>
-            <a:ext cx="7772400" cy="1546477"/>
+            <a:ext cx="7772400" cy="1546478"/>
           </a:xfrm>
           <a:prstGeom prst="rect">
             <a:avLst/>
@@ -547,7 +547,7 @@
         <p:spPr>
           <a:xfrm>
             <a:off x="685800" y="3786737"/>
-            <a:ext cx="7772400" cy="1046320"/>
+            <a:ext cx="7772400" cy="1046321"/>
           </a:xfrm>
           <a:prstGeom prst="rect">
             <a:avLst/>
@@ -831,8 +831,8 @@
         </p:nvSpPr>
         <p:spPr>
           <a:xfrm>
-            <a:off x="4648198" y="1600200"/>
-            <a:ext cx="4038601" cy="4525963"/>
+            <a:off x="4648197" y="1600200"/>
+            <a:ext cx="4038603" cy="4525963"/>
           </a:xfrm>
           <a:prstGeom prst="rect">
             <a:avLst/>
@@ -856,15 +856,15 @@
         </p:nvSpPr>
         <p:spPr>
           <a:xfrm>
-            <a:off x="8293486" y="6348797"/>
-            <a:ext cx="393315" cy="380230"/>
+            <a:off x="8293489" y="6348798"/>
+            <a:ext cx="393313" cy="380228"/>
           </a:xfrm>
           <a:prstGeom prst="rect">
             <a:avLst/>
           </a:prstGeom>
         </p:spPr>
         <p:txBody>
-          <a:bodyPr lIns="91422" tIns="91422" rIns="91422" bIns="91422"/>
+          <a:bodyPr lIns="91421" tIns="91421" rIns="91421" bIns="91421"/>
           <a:lstStyle>
             <a:lvl1pPr>
               <a:defRPr sz="1400"/>
@@ -1058,8 +1058,8 @@
         </p:nvSpPr>
         <p:spPr>
           <a:xfrm>
-            <a:off x="457198" y="2174875"/>
-            <a:ext cx="4040192" cy="3951288"/>
+            <a:off x="457197" y="2174875"/>
+            <a:ext cx="4040194" cy="3951288"/>
           </a:xfrm>
           <a:prstGeom prst="rect">
             <a:avLst/>
@@ -1083,8 +1083,8 @@
         </p:nvSpPr>
         <p:spPr>
           <a:xfrm>
-            <a:off x="4645023" y="1535111"/>
-            <a:ext cx="4041776" cy="639766"/>
+            <a:off x="4645022" y="1535111"/>
+            <a:ext cx="4041778" cy="639767"/>
           </a:xfrm>
           <a:prstGeom prst="rect">
             <a:avLst/>
@@ -1108,8 +1108,8 @@
         </p:nvSpPr>
         <p:spPr>
           <a:xfrm>
-            <a:off x="4645023" y="2174875"/>
-            <a:ext cx="4041776" cy="3951288"/>
+            <a:off x="4645022" y="2174875"/>
+            <a:ext cx="4041778" cy="3951288"/>
           </a:xfrm>
           <a:prstGeom prst="rect">
             <a:avLst/>
@@ -1133,15 +1133,15 @@
         </p:nvSpPr>
         <p:spPr>
           <a:xfrm>
-            <a:off x="8293486" y="6348797"/>
-            <a:ext cx="393315" cy="380230"/>
+            <a:off x="8293489" y="6348798"/>
+            <a:ext cx="393313" cy="380228"/>
           </a:xfrm>
           <a:prstGeom prst="rect">
             <a:avLst/>
           </a:prstGeom>
         </p:spPr>
         <p:txBody>
-          <a:bodyPr lIns="91422" tIns="91422" rIns="91422" bIns="91422"/>
+          <a:bodyPr lIns="91421" tIns="91421" rIns="91421" bIns="91421"/>
           <a:lstStyle>
             <a:lvl1pPr>
               <a:defRPr sz="1400"/>
@@ -1222,15 +1222,15 @@
         </p:nvSpPr>
         <p:spPr>
           <a:xfrm>
-            <a:off x="8293486" y="6348797"/>
-            <a:ext cx="393315" cy="380230"/>
+            <a:off x="8293489" y="6348798"/>
+            <a:ext cx="393313" cy="380228"/>
           </a:xfrm>
           <a:prstGeom prst="rect">
             <a:avLst/>
           </a:prstGeom>
         </p:spPr>
         <p:txBody>
-          <a:bodyPr lIns="91422" tIns="91422" rIns="91422" bIns="91422"/>
+          <a:bodyPr lIns="91421" tIns="91421" rIns="91421" bIns="91421"/>
           <a:lstStyle>
             <a:lvl1pPr>
               <a:defRPr sz="1400"/>
@@ -1278,15 +1278,15 @@
         </p:nvSpPr>
         <p:spPr>
           <a:xfrm>
-            <a:off x="8293486" y="6348797"/>
-            <a:ext cx="393315" cy="380230"/>
+            <a:off x="8293489" y="6348798"/>
+            <a:ext cx="393313" cy="380228"/>
           </a:xfrm>
           <a:prstGeom prst="rect">
             <a:avLst/>
           </a:prstGeom>
         </p:spPr>
         <p:txBody>
-          <a:bodyPr lIns="91422" tIns="91422" rIns="91422" bIns="91422"/>
+          <a:bodyPr lIns="91421" tIns="91421" rIns="91421" bIns="91421"/>
           <a:lstStyle>
             <a:lvl1pPr>
               <a:defRPr sz="1400"/>
@@ -1492,15 +1492,15 @@
         </p:nvSpPr>
         <p:spPr>
           <a:xfrm>
-            <a:off x="8293486" y="6348797"/>
-            <a:ext cx="393315" cy="380230"/>
+            <a:off x="8293489" y="6348798"/>
+            <a:ext cx="393313" cy="380228"/>
           </a:xfrm>
           <a:prstGeom prst="rect">
             <a:avLst/>
           </a:prstGeom>
         </p:spPr>
         <p:txBody>
-          <a:bodyPr lIns="91422" tIns="91422" rIns="91422" bIns="91422"/>
+          <a:bodyPr lIns="91421" tIns="91421" rIns="91421" bIns="91421"/>
           <a:lstStyle>
             <a:lvl1pPr>
               <a:defRPr sz="1400"/>
@@ -1613,7 +1613,7 @@
         <p:spPr>
           <a:xfrm>
             <a:off x="1792288" y="5367337"/>
-            <a:ext cx="5486399" cy="804864"/>
+            <a:ext cx="5486399" cy="804865"/>
           </a:xfrm>
           <a:prstGeom prst="rect">
             <a:avLst/>
@@ -1725,15 +1725,15 @@
         </p:nvSpPr>
         <p:spPr>
           <a:xfrm>
-            <a:off x="8293486" y="6348797"/>
-            <a:ext cx="393315" cy="380230"/>
+            <a:off x="8293489" y="6348798"/>
+            <a:ext cx="393313" cy="380228"/>
           </a:xfrm>
           <a:prstGeom prst="rect">
             <a:avLst/>
           </a:prstGeom>
         </p:spPr>
         <p:txBody>
-          <a:bodyPr lIns="91422" tIns="91422" rIns="91422" bIns="91422"/>
+          <a:bodyPr lIns="91421" tIns="91421" rIns="91421" bIns="91421"/>
           <a:lstStyle>
             <a:lvl1pPr>
               <a:defRPr sz="1400"/>
@@ -1925,15 +1925,15 @@
         </p:nvSpPr>
         <p:spPr>
           <a:xfrm>
-            <a:off x="8293486" y="6348797"/>
-            <a:ext cx="393315" cy="380230"/>
+            <a:off x="8293489" y="6348798"/>
+            <a:ext cx="393313" cy="380228"/>
           </a:xfrm>
           <a:prstGeom prst="rect">
             <a:avLst/>
           </a:prstGeom>
         </p:spPr>
         <p:txBody>
-          <a:bodyPr lIns="91422" tIns="91422" rIns="91422" bIns="91422"/>
+          <a:bodyPr lIns="91421" tIns="91421" rIns="91421" bIns="91421"/>
           <a:lstStyle>
             <a:lvl1pPr>
               <a:defRPr sz="1400"/>
@@ -1982,7 +1982,7 @@
         <p:spPr>
           <a:xfrm rot="5400000">
             <a:off x="4732337" y="2171700"/>
-            <a:ext cx="5851528" cy="2057400"/>
+            <a:ext cx="5851529" cy="2057400"/>
           </a:xfrm>
           <a:prstGeom prst="rect">
             <a:avLst/>
@@ -2129,15 +2129,15 @@
         </p:nvSpPr>
         <p:spPr>
           <a:xfrm>
-            <a:off x="8293486" y="6348797"/>
-            <a:ext cx="393315" cy="380230"/>
+            <a:off x="8293489" y="6348798"/>
+            <a:ext cx="393313" cy="380228"/>
           </a:xfrm>
           <a:prstGeom prst="rect">
             <a:avLst/>
           </a:prstGeom>
         </p:spPr>
         <p:txBody>
-          <a:bodyPr lIns="91422" tIns="91422" rIns="91422" bIns="91422"/>
+          <a:bodyPr lIns="91421" tIns="91421" rIns="91421" bIns="91421"/>
           <a:lstStyle>
             <a:lvl1pPr>
               <a:defRPr sz="1400"/>
@@ -2382,7 +2382,7 @@
         <p:spPr>
           <a:xfrm>
             <a:off x="4692272" y="1600200"/>
-            <a:ext cx="3994529" cy="4967574"/>
+            <a:ext cx="3994530" cy="4967574"/>
           </a:xfrm>
           <a:prstGeom prst="rect">
             <a:avLst/>
@@ -2527,7 +2527,7 @@
         <p:spPr>
           <a:xfrm>
             <a:off x="457200" y="5875077"/>
-            <a:ext cx="8229600" cy="692696"/>
+            <a:ext cx="8229600" cy="692697"/>
           </a:xfrm>
           <a:prstGeom prst="rect">
             <a:avLst/>
@@ -2885,15 +2885,15 @@
         </p:nvSpPr>
         <p:spPr>
           <a:xfrm>
-            <a:off x="8293486" y="6348797"/>
-            <a:ext cx="393315" cy="380230"/>
+            <a:off x="8293489" y="6348798"/>
+            <a:ext cx="393313" cy="380228"/>
           </a:xfrm>
           <a:prstGeom prst="rect">
             <a:avLst/>
           </a:prstGeom>
         </p:spPr>
         <p:txBody>
-          <a:bodyPr lIns="91422" tIns="91422" rIns="91422" bIns="91422"/>
+          <a:bodyPr lIns="91421" tIns="91421" rIns="91421" bIns="91421"/>
           <a:lstStyle>
             <a:lvl1pPr>
               <a:defRPr sz="1400"/>
@@ -3085,15 +3085,15 @@
         </p:nvSpPr>
         <p:spPr>
           <a:xfrm>
-            <a:off x="8293486" y="6348797"/>
-            <a:ext cx="393315" cy="380230"/>
+            <a:off x="8293489" y="6348798"/>
+            <a:ext cx="393313" cy="380228"/>
           </a:xfrm>
           <a:prstGeom prst="rect">
             <a:avLst/>
           </a:prstGeom>
         </p:spPr>
         <p:txBody>
-          <a:bodyPr lIns="91422" tIns="91422" rIns="91422" bIns="91422"/>
+          <a:bodyPr lIns="91421" tIns="91421" rIns="91421" bIns="91421"/>
           <a:lstStyle>
             <a:lvl1pPr>
               <a:defRPr sz="1400"/>
@@ -3179,7 +3179,7 @@
         <p:spPr>
           <a:xfrm>
             <a:off x="722312" y="2906713"/>
-            <a:ext cx="7772401" cy="1500190"/>
+            <a:ext cx="7772401" cy="1500191"/>
           </a:xfrm>
           <a:prstGeom prst="rect">
             <a:avLst/>
@@ -3306,15 +3306,15 @@
         </p:nvSpPr>
         <p:spPr>
           <a:xfrm>
-            <a:off x="8293486" y="6348797"/>
-            <a:ext cx="393315" cy="380230"/>
+            <a:off x="8293489" y="6348798"/>
+            <a:ext cx="393313" cy="380228"/>
           </a:xfrm>
           <a:prstGeom prst="rect">
             <a:avLst/>
           </a:prstGeom>
         </p:spPr>
         <p:txBody>
-          <a:bodyPr lIns="91422" tIns="91422" rIns="91422" bIns="91422"/>
+          <a:bodyPr lIns="91421" tIns="91421" rIns="91421" bIns="91421"/>
           <a:lstStyle>
             <a:lvl1pPr>
               <a:defRPr sz="1400"/>
@@ -3370,7 +3370,7 @@
         <p:spPr>
           <a:xfrm>
             <a:off x="457200" y="274635"/>
-            <a:ext cx="8229600" cy="1143003"/>
+            <a:ext cx="8229600" cy="1143004"/>
           </a:xfrm>
           <a:prstGeom prst="rect">
             <a:avLst/>
@@ -3385,7 +3385,7 @@
           </a:extLst>
         </p:spPr>
         <p:txBody>
-          <a:bodyPr lIns="91422" tIns="91422" rIns="91422" bIns="91422" anchor="b">
+          <a:bodyPr lIns="91421" tIns="91421" rIns="91421" bIns="91421" anchor="b">
             <a:normAutofit fontScale="100000" lnSpcReduction="0"/>
           </a:bodyPr>
           <a:lstStyle/>
@@ -3423,7 +3423,7 @@
           </a:extLst>
         </p:spPr>
         <p:txBody>
-          <a:bodyPr lIns="91422" tIns="91422" rIns="91422" bIns="91422">
+          <a:bodyPr lIns="91421" tIns="91421" rIns="91421" bIns="91421">
             <a:normAutofit fontScale="100000" lnSpcReduction="0"/>
           </a:bodyPr>
           <a:lstStyle/>
@@ -3469,7 +3469,7 @@
         </p:nvSpPr>
         <p:spPr>
           <a:xfrm>
-            <a:off x="6279548" y="6224225"/>
+            <a:off x="6279549" y="6224225"/>
             <a:ext cx="273653" cy="264251"/>
           </a:xfrm>
           <a:prstGeom prst="rect">
@@ -4384,7 +4384,7 @@
         <p:spPr>
           <a:xfrm>
             <a:off x="1218850" y="2345150"/>
-            <a:ext cx="5893800" cy="2024347"/>
+            <a:ext cx="5893800" cy="2024345"/>
           </a:xfrm>
           <a:prstGeom prst="rect">
             <a:avLst/>
@@ -4399,7 +4399,7 @@
           </a:extLst>
         </p:spPr>
         <p:txBody>
-          <a:bodyPr lIns="91422" tIns="91422" rIns="91422" bIns="91422">
+          <a:bodyPr lIns="91421" tIns="91421" rIns="91421" bIns="91421">
             <a:spAutoFit/>
           </a:bodyPr>
           <a:lstStyle/>
@@ -4445,7 +4445,7 @@
               </a:defRPr>
             </a:pPr>
             <a:r>
-              <a:t>Lesson 2. OOP.</a:t>
+              <a:t>Lesson 3. OOP.</a:t>
             </a:r>
           </a:p>
         </p:txBody>
@@ -4484,8 +4484,8 @@
         </p:nvSpPr>
         <p:spPr>
           <a:xfrm>
-            <a:off x="89799" y="1168098"/>
-            <a:ext cx="7666202" cy="2075147"/>
+            <a:off x="89799" y="1168097"/>
+            <a:ext cx="7666202" cy="2075145"/>
           </a:xfrm>
           <a:prstGeom prst="rect">
             <a:avLst/>
@@ -4500,7 +4500,7 @@
           </a:extLst>
         </p:spPr>
         <p:txBody>
-          <a:bodyPr lIns="91422" tIns="91422" rIns="91422" bIns="91422">
+          <a:bodyPr lIns="91421" tIns="91421" rIns="91421" bIns="91421">
             <a:spAutoFit/>
           </a:bodyPr>
           <a:lstStyle/>
@@ -4641,7 +4641,7 @@
         <p:spPr>
           <a:xfrm>
             <a:off x="89799" y="1168100"/>
-            <a:ext cx="7666202" cy="538447"/>
+            <a:ext cx="7666202" cy="538445"/>
           </a:xfrm>
           <a:prstGeom prst="rect">
             <a:avLst/>
@@ -4656,7 +4656,7 @@
           </a:extLst>
         </p:spPr>
         <p:txBody>
-          <a:bodyPr lIns="91422" tIns="91422" rIns="91422" bIns="91422">
+          <a:bodyPr lIns="91421" tIns="91421" rIns="91421" bIns="91421">
             <a:spAutoFit/>
           </a:bodyPr>
           <a:lstStyle>
@@ -4740,8 +4740,8 @@
         </p:nvSpPr>
         <p:spPr>
           <a:xfrm>
-            <a:off x="89799" y="1168098"/>
-            <a:ext cx="7666202" cy="1783047"/>
+            <a:off x="89799" y="1168097"/>
+            <a:ext cx="7666202" cy="1783045"/>
           </a:xfrm>
           <a:prstGeom prst="rect">
             <a:avLst/>
@@ -4756,7 +4756,7 @@
           </a:extLst>
         </p:spPr>
         <p:txBody>
-          <a:bodyPr lIns="91422" tIns="91422" rIns="91422" bIns="91422">
+          <a:bodyPr lIns="91421" tIns="91421" rIns="91421" bIns="91421">
             <a:spAutoFit/>
           </a:bodyPr>
           <a:lstStyle/>
@@ -4880,8 +4880,8 @@
         </p:nvSpPr>
         <p:spPr>
           <a:xfrm>
-            <a:off x="89799" y="1168098"/>
-            <a:ext cx="7666202" cy="3243547"/>
+            <a:off x="89799" y="1168097"/>
+            <a:ext cx="7666202" cy="3243545"/>
           </a:xfrm>
           <a:prstGeom prst="rect">
             <a:avLst/>
@@ -4896,7 +4896,7 @@
           </a:extLst>
         </p:spPr>
         <p:txBody>
-          <a:bodyPr lIns="91422" tIns="91422" rIns="91422" bIns="91422">
+          <a:bodyPr lIns="91421" tIns="91421" rIns="91421" bIns="91421">
             <a:spAutoFit/>
           </a:bodyPr>
           <a:lstStyle/>
@@ -5008,7 +5008,7 @@
         <p:spPr>
           <a:xfrm>
             <a:off x="89799" y="1168100"/>
-            <a:ext cx="7666202" cy="538447"/>
+            <a:ext cx="7666202" cy="538445"/>
           </a:xfrm>
           <a:prstGeom prst="rect">
             <a:avLst/>
@@ -5023,7 +5023,7 @@
           </a:extLst>
         </p:spPr>
         <p:txBody>
-          <a:bodyPr lIns="91422" tIns="91422" rIns="91422" bIns="91422">
+          <a:bodyPr lIns="91421" tIns="91421" rIns="91421" bIns="91421">
             <a:spAutoFit/>
           </a:bodyPr>
           <a:lstStyle>
@@ -5107,8 +5107,8 @@
         </p:nvSpPr>
         <p:spPr>
           <a:xfrm>
-            <a:off x="89798" y="1168098"/>
-            <a:ext cx="8483119" cy="2075147"/>
+            <a:off x="89798" y="1168097"/>
+            <a:ext cx="8483119" cy="2075145"/>
           </a:xfrm>
           <a:prstGeom prst="rect">
             <a:avLst/>
@@ -5123,7 +5123,7 @@
           </a:extLst>
         </p:spPr>
         <p:txBody>
-          <a:bodyPr lIns="91422" tIns="91422" rIns="91422" bIns="91422">
+          <a:bodyPr lIns="91421" tIns="91421" rIns="91421" bIns="91421">
             <a:spAutoFit/>
           </a:bodyPr>
           <a:lstStyle/>
@@ -5219,7 +5219,7 @@
         <p:spPr>
           <a:xfrm>
             <a:off x="1599410" y="3345183"/>
-            <a:ext cx="5463895" cy="2593621"/>
+            <a:ext cx="5463896" cy="2593621"/>
           </a:xfrm>
           <a:prstGeom prst="rect">
             <a:avLst/>
@@ -5263,8 +5263,8 @@
         </p:nvSpPr>
         <p:spPr>
           <a:xfrm>
-            <a:off x="89798" y="1168098"/>
-            <a:ext cx="8483119" cy="1490947"/>
+            <a:off x="89798" y="1168097"/>
+            <a:ext cx="8483119" cy="1490945"/>
           </a:xfrm>
           <a:prstGeom prst="rect">
             <a:avLst/>
@@ -5279,7 +5279,7 @@
           </a:extLst>
         </p:spPr>
         <p:txBody>
-          <a:bodyPr lIns="91422" tIns="91422" rIns="91422" bIns="91422">
+          <a:bodyPr lIns="91421" tIns="91421" rIns="91421" bIns="91421">
             <a:spAutoFit/>
           </a:bodyPr>
           <a:lstStyle/>
@@ -5403,8 +5403,8 @@
         </p:nvSpPr>
         <p:spPr>
           <a:xfrm>
-            <a:off x="89799" y="1168098"/>
-            <a:ext cx="7666202" cy="1490947"/>
+            <a:off x="89799" y="1168097"/>
+            <a:ext cx="7666202" cy="1490945"/>
           </a:xfrm>
           <a:prstGeom prst="rect">
             <a:avLst/>
@@ -5419,7 +5419,7 @@
           </a:extLst>
         </p:spPr>
         <p:txBody>
-          <a:bodyPr lIns="91422" tIns="91422" rIns="91422" bIns="91422">
+          <a:bodyPr lIns="91421" tIns="91421" rIns="91421" bIns="91421">
             <a:spAutoFit/>
           </a:bodyPr>
           <a:lstStyle/>
@@ -5532,8 +5532,8 @@
         </p:nvSpPr>
         <p:spPr>
           <a:xfrm>
-            <a:off x="89799" y="1168098"/>
-            <a:ext cx="7666202" cy="1198847"/>
+            <a:off x="89799" y="1168097"/>
+            <a:ext cx="7666202" cy="1198845"/>
           </a:xfrm>
           <a:prstGeom prst="rect">
             <a:avLst/>
@@ -5548,7 +5548,7 @@
           </a:extLst>
         </p:spPr>
         <p:txBody>
-          <a:bodyPr lIns="91422" tIns="91422" rIns="91422" bIns="91422">
+          <a:bodyPr lIns="91421" tIns="91421" rIns="91421" bIns="91421">
             <a:spAutoFit/>
           </a:bodyPr>
           <a:lstStyle/>
@@ -5612,7 +5612,7 @@
         <p:spPr>
           <a:xfrm>
             <a:off x="1184851" y="2353697"/>
-            <a:ext cx="6079540" cy="3941817"/>
+            <a:ext cx="6079541" cy="3941818"/>
           </a:xfrm>
           <a:prstGeom prst="rect">
             <a:avLst/>
@@ -5657,7 +5657,7 @@
         <p:spPr>
           <a:xfrm>
             <a:off x="89799" y="1168100"/>
-            <a:ext cx="8142635" cy="538447"/>
+            <a:ext cx="8142635" cy="538445"/>
           </a:xfrm>
           <a:prstGeom prst="rect">
             <a:avLst/>
@@ -5672,7 +5672,7 @@
           </a:extLst>
         </p:spPr>
         <p:txBody>
-          <a:bodyPr lIns="91422" tIns="91422" rIns="91422" bIns="91422">
+          <a:bodyPr lIns="91421" tIns="91421" rIns="91421" bIns="91421">
             <a:spAutoFit/>
           </a:bodyPr>
           <a:lstStyle>
@@ -5757,7 +5757,7 @@
         <p:spPr>
           <a:xfrm>
             <a:off x="942721" y="1276224"/>
-            <a:ext cx="7587299" cy="3383247"/>
+            <a:ext cx="7587299" cy="3383245"/>
           </a:xfrm>
           <a:prstGeom prst="rect">
             <a:avLst/>
@@ -5772,7 +5772,7 @@
           </a:extLst>
         </p:spPr>
         <p:txBody>
-          <a:bodyPr lIns="91422" tIns="91422" rIns="91422" bIns="91422">
+          <a:bodyPr lIns="91421" tIns="91421" rIns="91421" bIns="91421">
             <a:spAutoFit/>
           </a:bodyPr>
           <a:lstStyle/>
@@ -5946,7 +5946,7 @@
         <p:spPr>
           <a:xfrm>
             <a:off x="5626325" y="1276212"/>
-            <a:ext cx="2914653" cy="2809876"/>
+            <a:ext cx="2914654" cy="2809876"/>
           </a:xfrm>
           <a:prstGeom prst="rect">
             <a:avLst/>
@@ -5991,7 +5991,7 @@
         <p:spPr>
           <a:xfrm>
             <a:off x="89799" y="1168100"/>
-            <a:ext cx="8142635" cy="538447"/>
+            <a:ext cx="8142635" cy="538445"/>
           </a:xfrm>
           <a:prstGeom prst="rect">
             <a:avLst/>
@@ -6006,7 +6006,7 @@
           </a:extLst>
         </p:spPr>
         <p:txBody>
-          <a:bodyPr lIns="91422" tIns="91422" rIns="91422" bIns="91422">
+          <a:bodyPr lIns="91421" tIns="91421" rIns="91421" bIns="91421">
             <a:spAutoFit/>
           </a:bodyPr>
           <a:lstStyle>
@@ -6091,7 +6091,7 @@
         <p:spPr>
           <a:xfrm>
             <a:off x="89799" y="1168100"/>
-            <a:ext cx="8142635" cy="538447"/>
+            <a:ext cx="8142635" cy="538445"/>
           </a:xfrm>
           <a:prstGeom prst="rect">
             <a:avLst/>
@@ -6106,7 +6106,7 @@
           </a:extLst>
         </p:spPr>
         <p:txBody>
-          <a:bodyPr lIns="91422" tIns="91422" rIns="91422" bIns="91422">
+          <a:bodyPr lIns="91421" tIns="91421" rIns="91421" bIns="91421">
             <a:spAutoFit/>
           </a:bodyPr>
           <a:lstStyle>
@@ -6146,7 +6146,7 @@
         <p:spPr>
           <a:xfrm>
             <a:off x="852895" y="1714156"/>
-            <a:ext cx="7036745" cy="4429819"/>
+            <a:ext cx="7036745" cy="4429820"/>
           </a:xfrm>
           <a:prstGeom prst="rect">
             <a:avLst/>
@@ -6191,7 +6191,7 @@
         <p:spPr>
           <a:xfrm>
             <a:off x="89799" y="1168100"/>
-            <a:ext cx="8142635" cy="538447"/>
+            <a:ext cx="8142635" cy="538445"/>
           </a:xfrm>
           <a:prstGeom prst="rect">
             <a:avLst/>
@@ -6206,7 +6206,7 @@
           </a:extLst>
         </p:spPr>
         <p:txBody>
-          <a:bodyPr lIns="91422" tIns="91422" rIns="91422" bIns="91422">
+          <a:bodyPr lIns="91421" tIns="91421" rIns="91421" bIns="91421">
             <a:spAutoFit/>
           </a:bodyPr>
           <a:lstStyle>
@@ -6301,7 +6301,7 @@
         <p:spPr>
           <a:xfrm>
             <a:off x="-3" y="-1982"/>
-            <a:ext cx="9144004" cy="6861964"/>
+            <a:ext cx="9144004" cy="6861965"/>
           </a:xfrm>
           <a:prstGeom prst="rect">
             <a:avLst/>
@@ -6319,8 +6319,8 @@
         </p:nvSpPr>
         <p:spPr>
           <a:xfrm>
-            <a:off x="89799" y="1168099"/>
-            <a:ext cx="8142635" cy="2506947"/>
+            <a:off x="89799" y="1168098"/>
+            <a:ext cx="8142635" cy="2506945"/>
           </a:xfrm>
           <a:prstGeom prst="rect">
             <a:avLst/>
@@ -6335,7 +6335,7 @@
           </a:extLst>
         </p:spPr>
         <p:txBody>
-          <a:bodyPr lIns="91422" tIns="91422" rIns="91422" bIns="91422">
+          <a:bodyPr lIns="91421" tIns="91421" rIns="91421" bIns="91421">
             <a:spAutoFit/>
           </a:bodyPr>
           <a:lstStyle/>
@@ -6450,7 +6450,7 @@
         <p:spPr>
           <a:xfrm>
             <a:off x="860331" y="3832083"/>
-            <a:ext cx="7423340" cy="2397919"/>
+            <a:ext cx="7423340" cy="2397920"/>
           </a:xfrm>
           <a:prstGeom prst="rect">
             <a:avLst/>
@@ -6547,8 +6547,8 @@
         </p:nvSpPr>
         <p:spPr>
           <a:xfrm>
-            <a:off x="312045" y="2594549"/>
-            <a:ext cx="8543713" cy="2011645"/>
+            <a:off x="312044" y="2594548"/>
+            <a:ext cx="8543715" cy="2011643"/>
           </a:xfrm>
           <a:prstGeom prst="rect">
             <a:avLst/>
@@ -6618,8 +6618,8 @@
         </p:nvSpPr>
         <p:spPr>
           <a:xfrm>
-            <a:off x="293923" y="1168098"/>
-            <a:ext cx="7624455" cy="1783047"/>
+            <a:off x="293923" y="1168097"/>
+            <a:ext cx="7624455" cy="1783045"/>
           </a:xfrm>
           <a:prstGeom prst="rect">
             <a:avLst/>
@@ -6634,7 +6634,7 @@
           </a:extLst>
         </p:spPr>
         <p:txBody>
-          <a:bodyPr lIns="91422" tIns="91422" rIns="91422" bIns="91422">
+          <a:bodyPr lIns="91421" tIns="91421" rIns="91421" bIns="91421">
             <a:spAutoFit/>
           </a:bodyPr>
           <a:lstStyle/>
@@ -6729,8 +6729,8 @@
         </p:blipFill>
         <p:spPr>
           <a:xfrm>
-            <a:off x="1103630" y="3121456"/>
-            <a:ext cx="6936740" cy="3052712"/>
+            <a:off x="1103630" y="3121455"/>
+            <a:ext cx="6936741" cy="3052713"/>
           </a:xfrm>
           <a:prstGeom prst="rect">
             <a:avLst/>
@@ -6774,8 +6774,8 @@
         </p:nvSpPr>
         <p:spPr>
           <a:xfrm>
-            <a:off x="89799" y="1168098"/>
-            <a:ext cx="8724932" cy="2075147"/>
+            <a:off x="89799" y="1168097"/>
+            <a:ext cx="8724932" cy="2075145"/>
           </a:xfrm>
           <a:prstGeom prst="rect">
             <a:avLst/>
@@ -6790,7 +6790,7 @@
           </a:extLst>
         </p:spPr>
         <p:txBody>
-          <a:bodyPr lIns="91422" tIns="91422" rIns="91422" bIns="91422">
+          <a:bodyPr lIns="91421" tIns="91421" rIns="91421" bIns="91421">
             <a:spAutoFit/>
           </a:bodyPr>
           <a:lstStyle/>
@@ -6886,7 +6886,7 @@
         <p:spPr>
           <a:xfrm>
             <a:off x="2115005" y="3195228"/>
-            <a:ext cx="4913990" cy="3198458"/>
+            <a:ext cx="4913990" cy="3198459"/>
           </a:xfrm>
           <a:prstGeom prst="rect">
             <a:avLst/>
@@ -6930,8 +6930,8 @@
         </p:nvSpPr>
         <p:spPr>
           <a:xfrm>
-            <a:off x="89799" y="1168098"/>
-            <a:ext cx="8724932" cy="1490947"/>
+            <a:off x="89799" y="1168097"/>
+            <a:ext cx="8724932" cy="1490945"/>
           </a:xfrm>
           <a:prstGeom prst="rect">
             <a:avLst/>
@@ -6946,7 +6946,7 @@
           </a:extLst>
         </p:spPr>
         <p:txBody>
-          <a:bodyPr lIns="91422" tIns="91422" rIns="91422" bIns="91422">
+          <a:bodyPr lIns="91421" tIns="91421" rIns="91421" bIns="91421">
             <a:spAutoFit/>
           </a:bodyPr>
           <a:lstStyle/>
@@ -7054,8 +7054,8 @@
         </p:nvSpPr>
         <p:spPr>
           <a:xfrm>
-            <a:off x="89799" y="1168098"/>
-            <a:ext cx="7666202" cy="1783047"/>
+            <a:off x="89799" y="1168097"/>
+            <a:ext cx="7666202" cy="1783045"/>
           </a:xfrm>
           <a:prstGeom prst="rect">
             <a:avLst/>
@@ -7070,7 +7070,7 @@
           </a:extLst>
         </p:spPr>
         <p:txBody>
-          <a:bodyPr lIns="91422" tIns="91422" rIns="91422" bIns="91422">
+          <a:bodyPr lIns="91421" tIns="91421" rIns="91421" bIns="91421">
             <a:spAutoFit/>
           </a:bodyPr>
           <a:lstStyle/>
@@ -7150,7 +7150,7 @@
         <p:spPr>
           <a:xfrm>
             <a:off x="1907432" y="3074235"/>
-            <a:ext cx="5329136" cy="2868010"/>
+            <a:ext cx="5329136" cy="2868011"/>
           </a:xfrm>
           <a:prstGeom prst="rect">
             <a:avLst/>
@@ -7194,8 +7194,8 @@
         </p:nvSpPr>
         <p:spPr>
           <a:xfrm>
-            <a:off x="89799" y="1168098"/>
-            <a:ext cx="7666202" cy="538447"/>
+            <a:off x="89799" y="1168097"/>
+            <a:ext cx="7666202" cy="538445"/>
           </a:xfrm>
           <a:prstGeom prst="rect">
             <a:avLst/>
@@ -7210,7 +7210,7 @@
           </a:extLst>
         </p:spPr>
         <p:txBody>
-          <a:bodyPr lIns="91422" tIns="91422" rIns="91422" bIns="91422">
+          <a:bodyPr lIns="91421" tIns="91421" rIns="91421" bIns="91421">
             <a:spAutoFit/>
           </a:bodyPr>
           <a:lstStyle>
@@ -7250,7 +7250,7 @@
         <p:spPr>
           <a:xfrm>
             <a:off x="952500" y="1923517"/>
-            <a:ext cx="7239000" cy="4254503"/>
+            <a:ext cx="7239000" cy="4254504"/>
           </a:xfrm>
           <a:prstGeom prst="rect">
             <a:avLst/>
@@ -7295,7 +7295,7 @@
         <p:spPr>
           <a:xfrm>
             <a:off x="89799" y="1168100"/>
-            <a:ext cx="7666202" cy="538447"/>
+            <a:ext cx="7666202" cy="538445"/>
           </a:xfrm>
           <a:prstGeom prst="rect">
             <a:avLst/>
@@ -7310,7 +7310,7 @@
           </a:extLst>
         </p:spPr>
         <p:txBody>
-          <a:bodyPr lIns="91422" tIns="91422" rIns="91422" bIns="91422">
+          <a:bodyPr lIns="91421" tIns="91421" rIns="91421" bIns="91421">
             <a:spAutoFit/>
           </a:bodyPr>
           <a:lstStyle>
@@ -7379,7 +7379,7 @@
         <p:spPr>
           <a:xfrm>
             <a:off x="3614279" y="3454265"/>
-            <a:ext cx="5214200" cy="2582736"/>
+            <a:ext cx="5214200" cy="2582737"/>
           </a:xfrm>
           <a:prstGeom prst="rect">
             <a:avLst/>
@@ -7424,7 +7424,7 @@
         <p:spPr>
           <a:xfrm>
             <a:off x="89799" y="1168100"/>
-            <a:ext cx="7666202" cy="538447"/>
+            <a:ext cx="7666202" cy="538445"/>
           </a:xfrm>
           <a:prstGeom prst="rect">
             <a:avLst/>
@@ -7439,7 +7439,7 @@
           </a:extLst>
         </p:spPr>
         <p:txBody>
-          <a:bodyPr lIns="91422" tIns="91422" rIns="91422" bIns="91422">
+          <a:bodyPr lIns="91421" tIns="91421" rIns="91421" bIns="91421">
             <a:spAutoFit/>
           </a:bodyPr>
           <a:lstStyle>
@@ -8094,10 +8094,10 @@
             </a:solidFill>
             <a:effectLst/>
             <a:uFillTx/>
-            <a:latin typeface="+mj-lt"/>
-            <a:ea typeface="+mj-ea"/>
-            <a:cs typeface="+mj-cs"/>
-            <a:sym typeface="Helvetica"/>
+            <a:latin typeface="+mn-lt"/>
+            <a:ea typeface="+mn-ea"/>
+            <a:cs typeface="+mn-cs"/>
+            <a:sym typeface="Helvetica Neue"/>
           </a:defRPr>
         </a:defPPr>
         <a:lvl1pPr marL="0" marR="0" indent="0" algn="l" defTabSz="914400" rtl="0" fontAlgn="auto" latinLnBrk="1" hangingPunct="0">
@@ -8671,10 +8671,10 @@
             </a:solidFill>
             <a:effectLst/>
             <a:uFillTx/>
-            <a:latin typeface="+mj-lt"/>
-            <a:ea typeface="+mj-ea"/>
-            <a:cs typeface="+mj-cs"/>
-            <a:sym typeface="Helvetica"/>
+            <a:latin typeface="+mn-lt"/>
+            <a:ea typeface="+mn-ea"/>
+            <a:cs typeface="+mn-cs"/>
+            <a:sym typeface="Helvetica Neue"/>
           </a:defRPr>
         </a:defPPr>
         <a:lvl1pPr marL="0" marR="0" indent="0" algn="l" defTabSz="914400" rtl="0" fontAlgn="auto" latinLnBrk="1" hangingPunct="0">
@@ -9178,10 +9178,10 @@
             </a:solidFill>
             <a:effectLst/>
             <a:uFillTx/>
-            <a:latin typeface="+mj-lt"/>
-            <a:ea typeface="+mj-ea"/>
-            <a:cs typeface="+mj-cs"/>
-            <a:sym typeface="Helvetica"/>
+            <a:latin typeface="+mn-lt"/>
+            <a:ea typeface="+mn-ea"/>
+            <a:cs typeface="+mn-cs"/>
+            <a:sym typeface="Helvetica Neue"/>
           </a:defRPr>
         </a:defPPr>
         <a:lvl1pPr marL="0" marR="0" indent="0" algn="l" defTabSz="914400" rtl="0" fontAlgn="auto" latinLnBrk="1" hangingPunct="0">
@@ -9755,10 +9755,10 @@
             </a:solidFill>
             <a:effectLst/>
             <a:uFillTx/>
-            <a:latin typeface="+mj-lt"/>
-            <a:ea typeface="+mj-ea"/>
-            <a:cs typeface="+mj-cs"/>
-            <a:sym typeface="Helvetica"/>
+            <a:latin typeface="+mn-lt"/>
+            <a:ea typeface="+mn-ea"/>
+            <a:cs typeface="+mn-cs"/>
+            <a:sym typeface="Helvetica Neue"/>
           </a:defRPr>
         </a:defPPr>
         <a:lvl1pPr marL="0" marR="0" indent="0" algn="l" defTabSz="914400" rtl="0" fontAlgn="auto" latinLnBrk="1" hangingPunct="0">
